--- a/Presentations/HyperparameterTuning.pptx
+++ b/Presentations/HyperparameterTuning.pptx
@@ -11,21 +11,21 @@
     <p:sldId id="256" r:id="rId2"/>
     <p:sldId id="297" r:id="rId3"/>
     <p:sldId id="306" r:id="rId4"/>
-    <p:sldId id="372" r:id="rId5"/>
-    <p:sldId id="371" r:id="rId6"/>
-    <p:sldId id="299" r:id="rId7"/>
-    <p:sldId id="274" r:id="rId8"/>
-    <p:sldId id="275" r:id="rId9"/>
-    <p:sldId id="276" r:id="rId10"/>
-    <p:sldId id="279" r:id="rId11"/>
-    <p:sldId id="289" r:id="rId12"/>
-    <p:sldId id="300" r:id="rId13"/>
-    <p:sldId id="283" r:id="rId14"/>
-    <p:sldId id="284" r:id="rId15"/>
-    <p:sldId id="281" r:id="rId16"/>
-    <p:sldId id="282" r:id="rId17"/>
-    <p:sldId id="302" r:id="rId18"/>
-    <p:sldId id="293" r:id="rId19"/>
+    <p:sldId id="299" r:id="rId5"/>
+    <p:sldId id="275" r:id="rId6"/>
+    <p:sldId id="274" r:id="rId7"/>
+    <p:sldId id="276" r:id="rId8"/>
+    <p:sldId id="279" r:id="rId9"/>
+    <p:sldId id="289" r:id="rId10"/>
+    <p:sldId id="300" r:id="rId11"/>
+    <p:sldId id="283" r:id="rId12"/>
+    <p:sldId id="284" r:id="rId13"/>
+    <p:sldId id="281" r:id="rId14"/>
+    <p:sldId id="282" r:id="rId15"/>
+    <p:sldId id="302" r:id="rId16"/>
+    <p:sldId id="293" r:id="rId17"/>
+    <p:sldId id="372" r:id="rId18"/>
+    <p:sldId id="371" r:id="rId19"/>
     <p:sldId id="303" r:id="rId20"/>
     <p:sldId id="285" r:id="rId21"/>
     <p:sldId id="304" r:id="rId22"/>
@@ -244,7 +244,7 @@
             <a:fld id="{C931CB0F-3938-41B6-B697-BCBA83D41B84}" type="datetimeFigureOut">
               <a:rPr lang="en-US" smtClean="0"/>
               <a:pPr/>
-              <a:t>3/3/2025</a:t>
+              <a:t>3/6/2025</a:t>
             </a:fld>
             <a:endParaRPr lang="en-GB"/>
           </a:p>
@@ -596,7 +596,7 @@
             <a:fld id="{572ECC29-B90E-417C-9E26-C399982588D2}" type="slidenum">
               <a:rPr lang="en-IN" smtClean="0"/>
               <a:pPr/>
-              <a:t>9</a:t>
+              <a:t>7</a:t>
             </a:fld>
             <a:endParaRPr lang="en-IN"/>
           </a:p>
@@ -891,7 +891,7 @@
             <a:fld id="{44B8DFD6-65E0-4FF6-8E60-512872181D6C}" type="datetimeFigureOut">
               <a:rPr lang="en-US" smtClean="0"/>
               <a:pPr/>
-              <a:t>3/3/2025</a:t>
+              <a:t>3/6/2025</a:t>
             </a:fld>
             <a:endParaRPr lang="en-GB"/>
           </a:p>
@@ -1244,7 +1244,7 @@
             <a:fld id="{44B8DFD6-65E0-4FF6-8E60-512872181D6C}" type="datetimeFigureOut">
               <a:rPr lang="en-US" smtClean="0"/>
               <a:pPr/>
-              <a:t>3/3/2025</a:t>
+              <a:t>3/6/2025</a:t>
             </a:fld>
             <a:endParaRPr lang="en-GB"/>
           </a:p>
@@ -1420,7 +1420,7 @@
             <a:fld id="{44B8DFD6-65E0-4FF6-8E60-512872181D6C}" type="datetimeFigureOut">
               <a:rPr lang="en-US" smtClean="0"/>
               <a:pPr/>
-              <a:t>3/3/2025</a:t>
+              <a:t>3/6/2025</a:t>
             </a:fld>
             <a:endParaRPr lang="en-GB"/>
           </a:p>
@@ -1534,7 +1534,7 @@
             <a:fld id="{44B8DFD6-65E0-4FF6-8E60-512872181D6C}" type="datetimeFigureOut">
               <a:rPr lang="en-US" smtClean="0"/>
               <a:pPr/>
-              <a:t>3/3/2025</a:t>
+              <a:t>3/6/2025</a:t>
             </a:fld>
             <a:endParaRPr lang="en-GB"/>
           </a:p>
@@ -1893,7 +1893,7 @@
             <a:fld id="{44B8DFD6-65E0-4FF6-8E60-512872181D6C}" type="datetimeFigureOut">
               <a:rPr lang="en-US" smtClean="0"/>
               <a:pPr/>
-              <a:t>3/3/2025</a:t>
+              <a:t>3/6/2025</a:t>
             </a:fld>
             <a:endParaRPr lang="en-GB"/>
           </a:p>
@@ -2159,7 +2159,7 @@
             <a:fld id="{44B8DFD6-65E0-4FF6-8E60-512872181D6C}" type="datetimeFigureOut">
               <a:rPr lang="en-US" smtClean="0"/>
               <a:pPr/>
-              <a:t>3/3/2025</a:t>
+              <a:t>3/6/2025</a:t>
             </a:fld>
             <a:endParaRPr lang="en-GB"/>
           </a:p>
@@ -2522,7 +2522,7 @@
             <a:fld id="{44B8DFD6-65E0-4FF6-8E60-512872181D6C}" type="datetimeFigureOut">
               <a:rPr lang="en-US" smtClean="0"/>
               <a:pPr/>
-              <a:t>3/3/2025</a:t>
+              <a:t>3/6/2025</a:t>
             </a:fld>
             <a:endParaRPr lang="en-GB"/>
           </a:p>
@@ -2750,7 +2750,7 @@
             <a:fld id="{44B8DFD6-65E0-4FF6-8E60-512872181D6C}" type="datetimeFigureOut">
               <a:rPr lang="en-US" smtClean="0"/>
               <a:pPr/>
-              <a:t>3/3/2025</a:t>
+              <a:t>3/6/2025</a:t>
             </a:fld>
             <a:endParaRPr lang="en-GB"/>
           </a:p>
@@ -2842,7 +2842,7 @@
             <a:fld id="{44B8DFD6-65E0-4FF6-8E60-512872181D6C}" type="datetimeFigureOut">
               <a:rPr lang="en-US" smtClean="0"/>
               <a:pPr/>
-              <a:t>3/3/2025</a:t>
+              <a:t>3/6/2025</a:t>
             </a:fld>
             <a:endParaRPr lang="en-GB"/>
           </a:p>
@@ -3110,7 +3110,7 @@
             <a:fld id="{44B8DFD6-65E0-4FF6-8E60-512872181D6C}" type="datetimeFigureOut">
               <a:rPr lang="en-US" smtClean="0"/>
               <a:pPr/>
-              <a:t>3/3/2025</a:t>
+              <a:t>3/6/2025</a:t>
             </a:fld>
             <a:endParaRPr lang="en-GB"/>
           </a:p>
@@ -3339,7 +3339,7 @@
             <a:fld id="{44B8DFD6-65E0-4FF6-8E60-512872181D6C}" type="datetimeFigureOut">
               <a:rPr lang="en-US" smtClean="0"/>
               <a:pPr/>
-              <a:t>3/3/2025</a:t>
+              <a:t>3/6/2025</a:t>
             </a:fld>
             <a:endParaRPr lang="en-GB"/>
           </a:p>
@@ -3838,7 +3838,7 @@
             <a:fld id="{44B8DFD6-65E0-4FF6-8E60-512872181D6C}" type="datetimeFigureOut">
               <a:rPr lang="en-US" smtClean="0"/>
               <a:pPr/>
-              <a:t>3/3/2025</a:t>
+              <a:t>3/6/2025</a:t>
             </a:fld>
             <a:endParaRPr lang="en-GB"/>
           </a:p>
@@ -4335,29 +4335,60 @@
           <a:chExt cx="0" cy="0"/>
         </a:xfrm>
       </p:grpSpPr>
-      <p:pic>
-        <p:nvPicPr>
-          <p:cNvPr id="4" name="Content Placeholder 3" descr="gradient descent.png"/>
-          <p:cNvPicPr>
-            <a:picLocks noGrp="1" noChangeAspect="1"/>
-          </p:cNvPicPr>
-          <p:nvPr>
-            <p:ph sz="quarter" idx="1"/>
-          </p:nvPr>
-        </p:nvPicPr>
-        <p:blipFill>
-          <a:blip r:embed="rId2"/>
-          <a:stretch>
-            <a:fillRect/>
-          </a:stretch>
-        </p:blipFill>
-        <p:spPr>
-          <a:xfrm>
-            <a:off x="242918" y="1040780"/>
-            <a:ext cx="8686800" cy="4873083"/>
-          </a:xfrm>
-        </p:spPr>
-      </p:pic>
+      <p:sp>
+        <p:nvSpPr>
+          <p:cNvPr id="5" name="Subtitle 4"/>
+          <p:cNvSpPr>
+            <a:spLocks noGrp="1"/>
+          </p:cNvSpPr>
+          <p:nvPr>
+            <p:ph type="subTitle" idx="1"/>
+          </p:nvPr>
+        </p:nvSpPr>
+        <p:spPr/>
+        <p:txBody>
+          <a:bodyPr/>
+          <a:lstStyle/>
+          <a:p>
+            <a:endParaRPr lang="en-GB"/>
+          </a:p>
+        </p:txBody>
+      </p:sp>
+      <p:sp>
+        <p:nvSpPr>
+          <p:cNvPr id="4" name="Title 3"/>
+          <p:cNvSpPr>
+            <a:spLocks noGrp="1"/>
+          </p:cNvSpPr>
+          <p:nvPr>
+            <p:ph type="ctrTitle"/>
+          </p:nvPr>
+        </p:nvSpPr>
+        <p:spPr/>
+        <p:txBody>
+          <a:bodyPr/>
+          <a:lstStyle/>
+          <a:p>
+            <a:r>
+              <a:rPr lang="en-IN" dirty="0"/>
+              <a:t>Bias/Variance &amp; </a:t>
+            </a:r>
+            <a:r>
+              <a:rPr lang="en-IN" dirty="0" err="1"/>
+              <a:t>Underfitting</a:t>
+            </a:r>
+            <a:r>
+              <a:rPr lang="en-IN" dirty="0"/>
+              <a:t>/</a:t>
+            </a:r>
+            <a:r>
+              <a:rPr lang="en-IN" dirty="0" err="1"/>
+              <a:t>Overfitting</a:t>
+            </a:r>
+            <a:endParaRPr lang="en-GB" dirty="0"/>
+          </a:p>
+        </p:txBody>
+      </p:sp>
     </p:spTree>
   </p:cSld>
   <p:clrMapOvr>
@@ -4367,188 +4398,6 @@
 </file>
 
 <file path=ppt/slides/slide11.xml><?xml version="1.0" encoding="utf-8"?>
-<p:sld xmlns:a="http://schemas.openxmlformats.org/drawingml/2006/main" xmlns:r="http://schemas.openxmlformats.org/officeDocument/2006/relationships" xmlns:p="http://schemas.openxmlformats.org/presentationml/2006/main">
-  <p:cSld>
-    <p:spTree>
-      <p:nvGrpSpPr>
-        <p:cNvPr id="1" name=""/>
-        <p:cNvGrpSpPr/>
-        <p:nvPr/>
-      </p:nvGrpSpPr>
-      <p:grpSpPr>
-        <a:xfrm>
-          <a:off x="0" y="0"/>
-          <a:ext cx="0" cy="0"/>
-          <a:chOff x="0" y="0"/>
-          <a:chExt cx="0" cy="0"/>
-        </a:xfrm>
-      </p:grpSpPr>
-      <p:sp>
-        <p:nvSpPr>
-          <p:cNvPr id="2" name="Title 1"/>
-          <p:cNvSpPr>
-            <a:spLocks noGrp="1"/>
-          </p:cNvSpPr>
-          <p:nvPr>
-            <p:ph type="title"/>
-          </p:nvPr>
-        </p:nvSpPr>
-        <p:spPr/>
-        <p:txBody>
-          <a:bodyPr/>
-          <a:lstStyle/>
-          <a:p>
-            <a:r>
-              <a:rPr lang="en-IN" dirty="0"/>
-              <a:t>Mini Batch Size</a:t>
-            </a:r>
-            <a:endParaRPr lang="en-GB" dirty="0"/>
-          </a:p>
-        </p:txBody>
-      </p:sp>
-      <p:sp>
-        <p:nvSpPr>
-          <p:cNvPr id="3" name="Content Placeholder 2"/>
-          <p:cNvSpPr>
-            <a:spLocks noGrp="1"/>
-          </p:cNvSpPr>
-          <p:nvPr>
-            <p:ph sz="quarter" idx="1"/>
-          </p:nvPr>
-        </p:nvSpPr>
-        <p:spPr/>
-        <p:txBody>
-          <a:bodyPr/>
-          <a:lstStyle/>
-          <a:p>
-            <a:r>
-              <a:rPr lang="en-GB" dirty="0"/>
-              <a:t>Training time until convergence: If the batch size is very small (e.g. 8), this time goes up. If the batch size is huge, it is also higher than the minimum.</a:t>
-            </a:r>
-          </a:p>
-          <a:p>
-            <a:r>
-              <a:rPr lang="en-GB" dirty="0"/>
-              <a:t>Training time per epoch: Bigger computes faster (is efficient)</a:t>
-            </a:r>
-          </a:p>
-          <a:p>
-            <a:r>
-              <a:rPr lang="en-GB" dirty="0"/>
-              <a:t>Mini-batch sizes are often chosen as a power of 2, i.e., 16,32,64,128,256 etc.</a:t>
-            </a:r>
-          </a:p>
-          <a:p>
-            <a:r>
-              <a:rPr lang="en-GB" dirty="0"/>
-              <a:t>Now, while choosing a proper size for mini-batch gradient descent, make sure that the </a:t>
-            </a:r>
-            <a:r>
-              <a:rPr lang="en-GB" dirty="0" err="1"/>
-              <a:t>minibatch</a:t>
-            </a:r>
-            <a:r>
-              <a:rPr lang="en-GB" dirty="0"/>
-              <a:t> fits in the CPU/GPU</a:t>
-            </a:r>
-          </a:p>
-          <a:p>
-            <a:r>
-              <a:rPr lang="en-IN" dirty="0"/>
-              <a:t>Randomly shuffled data is take in each mini batch</a:t>
-            </a:r>
-            <a:endParaRPr lang="en-GB" dirty="0"/>
-          </a:p>
-        </p:txBody>
-      </p:sp>
-    </p:spTree>
-  </p:cSld>
-  <p:clrMapOvr>
-    <a:masterClrMapping/>
-  </p:clrMapOvr>
-</p:sld>
-</file>
-
-<file path=ppt/slides/slide12.xml><?xml version="1.0" encoding="utf-8"?>
-<p:sld xmlns:a="http://schemas.openxmlformats.org/drawingml/2006/main" xmlns:r="http://schemas.openxmlformats.org/officeDocument/2006/relationships" xmlns:p="http://schemas.openxmlformats.org/presentationml/2006/main">
-  <p:cSld>
-    <p:spTree>
-      <p:nvGrpSpPr>
-        <p:cNvPr id="1" name=""/>
-        <p:cNvGrpSpPr/>
-        <p:nvPr/>
-      </p:nvGrpSpPr>
-      <p:grpSpPr>
-        <a:xfrm>
-          <a:off x="0" y="0"/>
-          <a:ext cx="0" cy="0"/>
-          <a:chOff x="0" y="0"/>
-          <a:chExt cx="0" cy="0"/>
-        </a:xfrm>
-      </p:grpSpPr>
-      <p:sp>
-        <p:nvSpPr>
-          <p:cNvPr id="5" name="Subtitle 4"/>
-          <p:cNvSpPr>
-            <a:spLocks noGrp="1"/>
-          </p:cNvSpPr>
-          <p:nvPr>
-            <p:ph type="subTitle" idx="1"/>
-          </p:nvPr>
-        </p:nvSpPr>
-        <p:spPr/>
-        <p:txBody>
-          <a:bodyPr/>
-          <a:lstStyle/>
-          <a:p>
-            <a:endParaRPr lang="en-GB"/>
-          </a:p>
-        </p:txBody>
-      </p:sp>
-      <p:sp>
-        <p:nvSpPr>
-          <p:cNvPr id="4" name="Title 3"/>
-          <p:cNvSpPr>
-            <a:spLocks noGrp="1"/>
-          </p:cNvSpPr>
-          <p:nvPr>
-            <p:ph type="ctrTitle"/>
-          </p:nvPr>
-        </p:nvSpPr>
-        <p:spPr/>
-        <p:txBody>
-          <a:bodyPr/>
-          <a:lstStyle/>
-          <a:p>
-            <a:r>
-              <a:rPr lang="en-IN" dirty="0"/>
-              <a:t>Bias/Variance &amp; </a:t>
-            </a:r>
-            <a:r>
-              <a:rPr lang="en-IN" dirty="0" err="1"/>
-              <a:t>Underfitting</a:t>
-            </a:r>
-            <a:r>
-              <a:rPr lang="en-IN" dirty="0"/>
-              <a:t>/</a:t>
-            </a:r>
-            <a:r>
-              <a:rPr lang="en-IN" dirty="0" err="1"/>
-              <a:t>Overfitting</a:t>
-            </a:r>
-            <a:endParaRPr lang="en-GB" dirty="0"/>
-          </a:p>
-        </p:txBody>
-      </p:sp>
-    </p:spTree>
-  </p:cSld>
-  <p:clrMapOvr>
-    <a:masterClrMapping/>
-  </p:clrMapOvr>
-</p:sld>
-</file>
-
-<file path=ppt/slides/slide13.xml><?xml version="1.0" encoding="utf-8"?>
 <p:sld xmlns:a="http://schemas.openxmlformats.org/drawingml/2006/main" xmlns:r="http://schemas.openxmlformats.org/officeDocument/2006/relationships" xmlns:p="http://schemas.openxmlformats.org/presentationml/2006/main">
   <p:cSld>
     <p:spTree>
@@ -4661,7 +4510,7 @@
 </p:sld>
 </file>
 
-<file path=ppt/slides/slide14.xml><?xml version="1.0" encoding="utf-8"?>
+<file path=ppt/slides/slide12.xml><?xml version="1.0" encoding="utf-8"?>
 <p:sld xmlns:a="http://schemas.openxmlformats.org/drawingml/2006/main" xmlns:r="http://schemas.openxmlformats.org/officeDocument/2006/relationships" xmlns:p="http://schemas.openxmlformats.org/presentationml/2006/main">
   <p:cSld>
     <p:spTree>
@@ -4736,7 +4585,7 @@
 </p:sld>
 </file>
 
-<file path=ppt/slides/slide15.xml><?xml version="1.0" encoding="utf-8"?>
+<file path=ppt/slides/slide13.xml><?xml version="1.0" encoding="utf-8"?>
 <p:sld xmlns:a="http://schemas.openxmlformats.org/drawingml/2006/main" xmlns:r="http://schemas.openxmlformats.org/officeDocument/2006/relationships" xmlns:p="http://schemas.openxmlformats.org/presentationml/2006/main">
   <p:cSld>
     <p:spTree>
@@ -4871,7 +4720,7 @@
 </p:sld>
 </file>
 
-<file path=ppt/slides/slide16.xml><?xml version="1.0" encoding="utf-8"?>
+<file path=ppt/slides/slide14.xml><?xml version="1.0" encoding="utf-8"?>
 <p:sld xmlns:a="http://schemas.openxmlformats.org/drawingml/2006/main" xmlns:r="http://schemas.openxmlformats.org/officeDocument/2006/relationships" xmlns:p="http://schemas.openxmlformats.org/presentationml/2006/main">
   <p:cSld>
     <p:spTree>
@@ -5076,7 +4925,7 @@
 </p:sld>
 </file>
 
-<file path=ppt/slides/slide17.xml><?xml version="1.0" encoding="utf-8"?>
+<file path=ppt/slides/slide15.xml><?xml version="1.0" encoding="utf-8"?>
 <p:sld xmlns:a="http://schemas.openxmlformats.org/drawingml/2006/main" xmlns:r="http://schemas.openxmlformats.org/officeDocument/2006/relationships" xmlns:p="http://schemas.openxmlformats.org/presentationml/2006/main">
   <p:cSld>
     <p:spTree>
@@ -5143,7 +4992,7 @@
 </p:sld>
 </file>
 
-<file path=ppt/slides/slide18.xml><?xml version="1.0" encoding="utf-8"?>
+<file path=ppt/slides/slide16.xml><?xml version="1.0" encoding="utf-8"?>
 <p:sld xmlns:a="http://schemas.openxmlformats.org/drawingml/2006/main" xmlns:r="http://schemas.openxmlformats.org/officeDocument/2006/relationships" xmlns:p="http://schemas.openxmlformats.org/presentationml/2006/main">
   <p:cSld>
     <p:spTree>
@@ -5339,6 +5188,267 @@
         </p:txBody>
       </p:sp>
     </p:spTree>
+  </p:cSld>
+  <p:clrMapOvr>
+    <a:masterClrMapping/>
+  </p:clrMapOvr>
+</p:sld>
+</file>
+
+<file path=ppt/slides/slide17.xml><?xml version="1.0" encoding="utf-8"?>
+<p:sld xmlns:a="http://schemas.openxmlformats.org/drawingml/2006/main" xmlns:r="http://schemas.openxmlformats.org/officeDocument/2006/relationships" xmlns:p="http://schemas.openxmlformats.org/presentationml/2006/main">
+  <p:cSld>
+    <p:spTree>
+      <p:nvGrpSpPr>
+        <p:cNvPr id="1" name=""/>
+        <p:cNvGrpSpPr/>
+        <p:nvPr/>
+      </p:nvGrpSpPr>
+      <p:grpSpPr>
+        <a:xfrm>
+          <a:off x="0" y="0"/>
+          <a:ext cx="0" cy="0"/>
+          <a:chOff x="0" y="0"/>
+          <a:chExt cx="0" cy="0"/>
+        </a:xfrm>
+      </p:grpSpPr>
+      <p:sp>
+        <p:nvSpPr>
+          <p:cNvPr id="5" name="Subtitle 4"/>
+          <p:cNvSpPr>
+            <a:spLocks noGrp="1"/>
+          </p:cNvSpPr>
+          <p:nvPr>
+            <p:ph type="subTitle" idx="1"/>
+          </p:nvPr>
+        </p:nvSpPr>
+        <p:spPr/>
+        <p:txBody>
+          <a:bodyPr/>
+          <a:lstStyle/>
+          <a:p>
+            <a:endParaRPr lang="en-GB" dirty="0"/>
+          </a:p>
+        </p:txBody>
+      </p:sp>
+      <p:sp>
+        <p:nvSpPr>
+          <p:cNvPr id="4" name="Title 3"/>
+          <p:cNvSpPr>
+            <a:spLocks noGrp="1"/>
+          </p:cNvSpPr>
+          <p:nvPr>
+            <p:ph type="ctrTitle"/>
+          </p:nvPr>
+        </p:nvSpPr>
+        <p:spPr/>
+        <p:txBody>
+          <a:bodyPr/>
+          <a:lstStyle/>
+          <a:p>
+            <a:r>
+              <a:rPr lang="en-IN" dirty="0"/>
+              <a:t>Batch </a:t>
+            </a:r>
+            <a:r>
+              <a:rPr lang="en-IN" dirty="0" err="1"/>
+              <a:t>Normalizationn</a:t>
+            </a:r>
+            <a:endParaRPr lang="en-GB" dirty="0"/>
+          </a:p>
+        </p:txBody>
+      </p:sp>
+    </p:spTree>
+    <p:extLst>
+      <p:ext uri="{BB962C8B-B14F-4D97-AF65-F5344CB8AC3E}">
+        <p14:creationId xmlns:p14="http://schemas.microsoft.com/office/powerpoint/2010/main" val="1005582291"/>
+      </p:ext>
+    </p:extLst>
+  </p:cSld>
+  <p:clrMapOvr>
+    <a:masterClrMapping/>
+  </p:clrMapOvr>
+</p:sld>
+</file>
+
+<file path=ppt/slides/slide18.xml><?xml version="1.0" encoding="utf-8"?>
+<p:sld xmlns:a="http://schemas.openxmlformats.org/drawingml/2006/main" xmlns:r="http://schemas.openxmlformats.org/officeDocument/2006/relationships" xmlns:p="http://schemas.openxmlformats.org/presentationml/2006/main">
+  <p:cSld>
+    <p:spTree>
+      <p:nvGrpSpPr>
+        <p:cNvPr id="1" name=""/>
+        <p:cNvGrpSpPr/>
+        <p:nvPr/>
+      </p:nvGrpSpPr>
+      <p:grpSpPr>
+        <a:xfrm>
+          <a:off x="0" y="0"/>
+          <a:ext cx="0" cy="0"/>
+          <a:chOff x="0" y="0"/>
+          <a:chExt cx="0" cy="0"/>
+        </a:xfrm>
+      </p:grpSpPr>
+      <p:sp>
+        <p:nvSpPr>
+          <p:cNvPr id="2" name="Title 1">
+            <a:extLst>
+              <a:ext uri="{FF2B5EF4-FFF2-40B4-BE49-F238E27FC236}">
+                <a16:creationId xmlns:a16="http://schemas.microsoft.com/office/drawing/2014/main" id="{C6216F94-F8B9-1B01-0861-D843AF51A6A0}"/>
+              </a:ext>
+            </a:extLst>
+          </p:cNvPr>
+          <p:cNvSpPr>
+            <a:spLocks noGrp="1"/>
+          </p:cNvSpPr>
+          <p:nvPr>
+            <p:ph type="title"/>
+          </p:nvPr>
+        </p:nvSpPr>
+        <p:spPr/>
+        <p:txBody>
+          <a:bodyPr/>
+          <a:lstStyle/>
+          <a:p>
+            <a:r>
+              <a:rPr lang="en-GB" dirty="0"/>
+              <a:t>Batch Normalization</a:t>
+            </a:r>
+            <a:endParaRPr lang="en-IN" dirty="0"/>
+          </a:p>
+        </p:txBody>
+      </p:sp>
+      <p:sp>
+        <p:nvSpPr>
+          <p:cNvPr id="3" name="Content Placeholder 2">
+            <a:extLst>
+              <a:ext uri="{FF2B5EF4-FFF2-40B4-BE49-F238E27FC236}">
+                <a16:creationId xmlns:a16="http://schemas.microsoft.com/office/drawing/2014/main" id="{B73A0F29-4C8F-A5D5-59C9-8AD0E2922864}"/>
+              </a:ext>
+            </a:extLst>
+          </p:cNvPr>
+          <p:cNvSpPr>
+            <a:spLocks noGrp="1"/>
+          </p:cNvSpPr>
+          <p:nvPr>
+            <p:ph idx="1"/>
+          </p:nvPr>
+        </p:nvSpPr>
+        <p:spPr/>
+        <p:txBody>
+          <a:bodyPr>
+            <a:normAutofit/>
+          </a:bodyPr>
+          <a:lstStyle/>
+          <a:p>
+            <a:r>
+              <a:rPr lang="en-GB" dirty="0"/>
+              <a:t>Internal covariate shift - As the input data propagates through the network, the distribution of each layer’s inputs changes. </a:t>
+            </a:r>
+          </a:p>
+          <a:p>
+            <a:r>
+              <a:rPr lang="en-GB" dirty="0"/>
+              <a:t>Normalization of the mini-batch of activations by re-</a:t>
+            </a:r>
+            <a:r>
+              <a:rPr lang="en-GB" dirty="0" err="1"/>
+              <a:t>centering</a:t>
+            </a:r>
+            <a:r>
+              <a:rPr lang="en-GB" dirty="0"/>
+              <a:t> and re-scaling</a:t>
+            </a:r>
+          </a:p>
+          <a:p>
+            <a:r>
+              <a:rPr lang="en-GB" dirty="0"/>
+              <a:t>Scale and shift the normalized activations </a:t>
+            </a:r>
+          </a:p>
+          <a:p>
+            <a:pPr marL="0" indent="0">
+              <a:buNone/>
+            </a:pPr>
+            <a:r>
+              <a:rPr lang="en-GB" dirty="0"/>
+              <a:t>        y</a:t>
+            </a:r>
+            <a:r>
+              <a:rPr lang="en-GB" baseline="-25000" dirty="0"/>
+              <a:t>i</a:t>
+            </a:r>
+            <a:r>
+              <a:rPr lang="en-GB" dirty="0"/>
+              <a:t>​=</a:t>
+            </a:r>
+            <a:r>
+              <a:rPr lang="el-GR" dirty="0"/>
+              <a:t>γ</a:t>
+            </a:r>
+            <a:r>
+              <a:rPr lang="en-GB" dirty="0"/>
+              <a:t>x’​+</a:t>
+            </a:r>
+            <a:r>
+              <a:rPr lang="el-GR" dirty="0"/>
+              <a:t>β</a:t>
+            </a:r>
+            <a:endParaRPr lang="en-GB" dirty="0"/>
+          </a:p>
+          <a:p>
+            <a:r>
+              <a:rPr lang="en-GB" dirty="0"/>
+              <a:t>Gradients propagated during backpropagation are less likely to vanish or explode</a:t>
+            </a:r>
+          </a:p>
+          <a:p>
+            <a:r>
+              <a:rPr lang="en-GB" dirty="0"/>
+              <a:t>Regularization: BN helps to prevent overfitting by reducing the model's dependence on specific activation patterns </a:t>
+            </a:r>
+          </a:p>
+          <a:p>
+            <a:endParaRPr lang="en-IN" dirty="0"/>
+          </a:p>
+        </p:txBody>
+      </p:sp>
+      <p:pic>
+        <p:nvPicPr>
+          <p:cNvPr id="4" name="Image2">
+            <a:extLst>
+              <a:ext uri="{FF2B5EF4-FFF2-40B4-BE49-F238E27FC236}">
+                <a16:creationId xmlns:a16="http://schemas.microsoft.com/office/drawing/2014/main" id="{6496D73F-2D8C-99B7-BFAD-AD18677348DD}"/>
+              </a:ext>
+            </a:extLst>
+          </p:cNvPr>
+          <p:cNvPicPr/>
+          <p:nvPr/>
+        </p:nvPicPr>
+        <p:blipFill>
+          <a:blip r:embed="rId2"/>
+          <a:stretch>
+            <a:fillRect/>
+          </a:stretch>
+        </p:blipFill>
+        <p:spPr bwMode="auto">
+          <a:xfrm>
+            <a:off x="4572000" y="2780928"/>
+            <a:ext cx="981075" cy="428625"/>
+          </a:xfrm>
+          <a:prstGeom prst="rect">
+            <a:avLst/>
+          </a:prstGeom>
+          <a:solidFill>
+            <a:schemeClr val="bg1"/>
+          </a:solidFill>
+        </p:spPr>
+      </p:pic>
+    </p:spTree>
+    <p:extLst>
+      <p:ext uri="{BB962C8B-B14F-4D97-AF65-F5344CB8AC3E}">
+        <p14:creationId xmlns:p14="http://schemas.microsoft.com/office/powerpoint/2010/main" val="1519283092"/>
+      </p:ext>
+    </p:extLst>
   </p:cSld>
   <p:clrMapOvr>
     <a:masterClrMapping/>
@@ -6456,7 +6566,7 @@
         </p:blipFill>
         <p:spPr bwMode="auto">
           <a:xfrm>
-            <a:off x="40382" y="1604764"/>
+            <a:off x="16725" y="1603706"/>
             <a:ext cx="4819650" cy="2400300"/>
           </a:xfrm>
           <a:prstGeom prst="rect">
@@ -6520,7 +6630,7 @@
         </p:blipFill>
         <p:spPr bwMode="auto">
           <a:xfrm>
-            <a:off x="4772025" y="2780928"/>
+            <a:off x="4694136" y="2803856"/>
             <a:ext cx="4371975" cy="3943350"/>
           </a:xfrm>
           <a:prstGeom prst="rect">
@@ -8404,6 +8514,22 @@
           <a:bodyPr/>
           <a:lstStyle/>
           <a:p>
+            <a:r>
+              <a:rPr lang="en-IN" dirty="0"/>
+              <a:t>Stochastic Gradient Descent</a:t>
+            </a:r>
+          </a:p>
+          <a:p>
+            <a:r>
+              <a:rPr lang="en-IN" dirty="0"/>
+              <a:t>Batch Gradient Descent</a:t>
+            </a:r>
+          </a:p>
+          <a:p>
+            <a:r>
+              <a:rPr lang="en-IN" dirty="0"/>
+              <a:t>Mini Batch Gradient Descent</a:t>
+            </a:r>
             <a:endParaRPr lang="en-GB" dirty="0"/>
           </a:p>
         </p:txBody>
@@ -8425,22 +8551,13 @@
           <a:p>
             <a:r>
               <a:rPr lang="en-IN" dirty="0"/>
-              <a:t>Batch </a:t>
-            </a:r>
-            <a:r>
-              <a:rPr lang="en-IN" dirty="0" err="1"/>
-              <a:t>Normalizationn</a:t>
+              <a:t>Gradient Descent</a:t>
             </a:r>
             <a:endParaRPr lang="en-GB" dirty="0"/>
           </a:p>
         </p:txBody>
       </p:sp>
     </p:spTree>
-    <p:extLst>
-      <p:ext uri="{BB962C8B-B14F-4D97-AF65-F5344CB8AC3E}">
-        <p14:creationId xmlns:p14="http://schemas.microsoft.com/office/powerpoint/2010/main" val="3447087026"/>
-      </p:ext>
-    </p:extLst>
   </p:cSld>
   <p:clrMapOvr>
     <a:masterClrMapping/>
@@ -8467,94 +8584,102 @@
       </p:grpSpPr>
       <p:sp>
         <p:nvSpPr>
-          <p:cNvPr id="2" name="Title 1">
+          <p:cNvPr id="2" name="Title 1"/>
+          <p:cNvSpPr>
+            <a:spLocks noGrp="1"/>
+          </p:cNvSpPr>
+          <p:nvPr>
+            <p:ph type="title"/>
+          </p:nvPr>
+        </p:nvSpPr>
+        <p:spPr/>
+        <p:txBody>
+          <a:bodyPr/>
+          <a:lstStyle/>
+          <a:p>
+            <a:r>
+              <a:rPr lang="en-IN" dirty="0"/>
+              <a:t>Batch Gradient Descent</a:t>
+            </a:r>
+          </a:p>
+        </p:txBody>
+      </p:sp>
+      <p:sp>
+        <p:nvSpPr>
+          <p:cNvPr id="3" name="Content Placeholder 2"/>
+          <p:cNvSpPr>
+            <a:spLocks noGrp="1"/>
+          </p:cNvSpPr>
+          <p:nvPr>
+            <p:ph sz="quarter" idx="1"/>
+          </p:nvPr>
+        </p:nvSpPr>
+        <p:spPr/>
+        <p:txBody>
+          <a:bodyPr/>
+          <a:lstStyle/>
+          <a:p>
+            <a:r>
+              <a:rPr lang="en-IN" dirty="0"/>
+              <a:t>Calculate the error for each example in the training dataset, but only updates the model after all training examples have been evaluated</a:t>
+            </a:r>
+          </a:p>
+          <a:p>
+            <a:r>
+              <a:rPr lang="en-IN" dirty="0"/>
+              <a:t>Memory expensive</a:t>
+            </a:r>
+          </a:p>
+          <a:p>
+            <a:r>
+              <a:rPr lang="en-IN" dirty="0"/>
+              <a:t> Slow - updates are done after whole data is processed</a:t>
+            </a:r>
+          </a:p>
+          <a:p>
+            <a:endParaRPr lang="en-IN" dirty="0"/>
+          </a:p>
+        </p:txBody>
+      </p:sp>
+      <p:pic>
+        <p:nvPicPr>
+          <p:cNvPr id="4" name="Picture 3">
             <a:extLst>
               <a:ext uri="{FF2B5EF4-FFF2-40B4-BE49-F238E27FC236}">
-                <a16:creationId xmlns:a16="http://schemas.microsoft.com/office/drawing/2014/main" id="{C6216F94-F8B9-1B01-0861-D843AF51A6A0}"/>
+                <a16:creationId xmlns:a16="http://schemas.microsoft.com/office/drawing/2014/main" id="{A83CE7AF-072F-1E26-8526-5BA31B2D7076}"/>
               </a:ext>
             </a:extLst>
           </p:cNvPr>
-          <p:cNvSpPr>
-            <a:spLocks noGrp="1"/>
-          </p:cNvSpPr>
-          <p:nvPr>
-            <p:ph type="title"/>
-          </p:nvPr>
-        </p:nvSpPr>
-        <p:spPr/>
-        <p:txBody>
-          <a:bodyPr/>
-          <a:lstStyle/>
-          <a:p>
-            <a:r>
-              <a:rPr lang="en-GB" dirty="0"/>
-              <a:t>Batch Normalization</a:t>
-            </a:r>
-            <a:endParaRPr lang="en-IN" dirty="0"/>
-          </a:p>
-        </p:txBody>
-      </p:sp>
-      <p:sp>
-        <p:nvSpPr>
-          <p:cNvPr id="3" name="Content Placeholder 2">
+          <p:cNvPicPr>
+            <a:picLocks noChangeAspect="1"/>
+          </p:cNvPicPr>
+          <p:nvPr/>
+        </p:nvPicPr>
+        <p:blipFill rotWithShape="1">
+          <a:blip r:embed="rId2">
             <a:extLst>
-              <a:ext uri="{FF2B5EF4-FFF2-40B4-BE49-F238E27FC236}">
-                <a16:creationId xmlns:a16="http://schemas.microsoft.com/office/drawing/2014/main" id="{B73A0F29-4C8F-A5D5-59C9-8AD0E2922864}"/>
+              <a:ext uri="{28A0092B-C50C-407E-A947-70E740481C1C}">
+                <a14:useLocalDpi xmlns:a14="http://schemas.microsoft.com/office/drawing/2010/main" val="0"/>
               </a:ext>
             </a:extLst>
-          </p:cNvPr>
-          <p:cNvSpPr>
-            <a:spLocks noGrp="1"/>
-          </p:cNvSpPr>
-          <p:nvPr>
-            <p:ph idx="1"/>
-          </p:nvPr>
-        </p:nvSpPr>
-        <p:spPr/>
-        <p:txBody>
-          <a:bodyPr/>
-          <a:lstStyle/>
-          <a:p>
-            <a:r>
-              <a:rPr lang="en-GB" dirty="0"/>
-              <a:t>Normalization of the layers' inputs by re-</a:t>
-            </a:r>
-            <a:r>
-              <a:rPr lang="en-GB" dirty="0" err="1"/>
-              <a:t>centering</a:t>
-            </a:r>
-            <a:r>
-              <a:rPr lang="en-GB" dirty="0"/>
-              <a:t> and re-scaling</a:t>
-            </a:r>
-          </a:p>
-          <a:p>
-            <a:r>
-              <a:rPr lang="en-GB" dirty="0"/>
-              <a:t>Calculate the mean and variance of the activations for each feature in a mini-batch </a:t>
-            </a:r>
-          </a:p>
-          <a:p>
-            <a:r>
-              <a:rPr lang="en-GB" dirty="0"/>
-              <a:t>Normalize the activations using the calculated mean and variance </a:t>
-            </a:r>
-          </a:p>
-          <a:p>
-            <a:r>
-              <a:rPr lang="en-GB" dirty="0"/>
-              <a:t>Scale and shift the normalized activations </a:t>
-            </a:r>
-          </a:p>
-          <a:p>
-            <a:endParaRPr lang="en-IN" dirty="0"/>
-          </a:p>
-        </p:txBody>
-      </p:sp>
+          </a:blip>
+          <a:srcRect l="3779" t="23511" r="65981" b="19931"/>
+          <a:stretch/>
+        </p:blipFill>
+        <p:spPr>
+          <a:xfrm>
+            <a:off x="4427984" y="3859560"/>
+            <a:ext cx="2304256" cy="2160240"/>
+          </a:xfrm>
+          <a:prstGeom prst="rect">
+            <a:avLst/>
+          </a:prstGeom>
+        </p:spPr>
+      </p:pic>
     </p:spTree>
     <p:extLst>
       <p:ext uri="{BB962C8B-B14F-4D97-AF65-F5344CB8AC3E}">
-        <p14:creationId xmlns:p14="http://schemas.microsoft.com/office/powerpoint/2010/main" val="1538345999"/>
+        <p14:creationId xmlns:p14="http://schemas.microsoft.com/office/powerpoint/2010/main" val="2639403754"/>
       </p:ext>
     </p:extLst>
   </p:cSld>
@@ -8583,12 +8708,12 @@
       </p:grpSpPr>
       <p:sp>
         <p:nvSpPr>
-          <p:cNvPr id="5" name="Subtitle 4"/>
-          <p:cNvSpPr>
-            <a:spLocks noGrp="1"/>
-          </p:cNvSpPr>
-          <p:nvPr>
-            <p:ph type="subTitle" idx="1"/>
+          <p:cNvPr id="2" name="Title 1"/>
+          <p:cNvSpPr>
+            <a:spLocks noGrp="1"/>
+          </p:cNvSpPr>
+          <p:nvPr>
+            <p:ph type="title"/>
           </p:nvPr>
         </p:nvSpPr>
         <p:spPr/>
@@ -8601,29 +8726,16 @@
               <a:t>Stochastic Gradient Descent</a:t>
             </a:r>
           </a:p>
-          <a:p>
-            <a:r>
-              <a:rPr lang="en-IN" dirty="0"/>
-              <a:t>Batch Gradient Descent</a:t>
-            </a:r>
-          </a:p>
-          <a:p>
-            <a:r>
-              <a:rPr lang="en-IN" dirty="0"/>
-              <a:t>Mini Batch Gradient Descent</a:t>
-            </a:r>
-            <a:endParaRPr lang="en-GB" dirty="0"/>
-          </a:p>
-        </p:txBody>
-      </p:sp>
-      <p:sp>
-        <p:nvSpPr>
-          <p:cNvPr id="4" name="Title 3"/>
-          <p:cNvSpPr>
-            <a:spLocks noGrp="1"/>
-          </p:cNvSpPr>
-          <p:nvPr>
-            <p:ph type="ctrTitle"/>
+        </p:txBody>
+      </p:sp>
+      <p:sp>
+        <p:nvSpPr>
+          <p:cNvPr id="3" name="Content Placeholder 2"/>
+          <p:cNvSpPr>
+            <a:spLocks noGrp="1"/>
+          </p:cNvSpPr>
+          <p:nvPr>
+            <p:ph sz="quarter" idx="1"/>
           </p:nvPr>
         </p:nvSpPr>
         <p:spPr/>
@@ -8633,13 +8745,76 @@
           <a:p>
             <a:r>
               <a:rPr lang="en-IN" dirty="0"/>
-              <a:t>Gradient Descent</a:t>
-            </a:r>
-            <a:endParaRPr lang="en-GB" dirty="0"/>
-          </a:p>
-        </p:txBody>
-      </p:sp>
+              <a:t>Calculate the error and update parameters for each example in the training dataset</a:t>
+            </a:r>
+          </a:p>
+          <a:p>
+            <a:r>
+              <a:rPr lang="en-IN" dirty="0"/>
+              <a:t>Simplest to implement</a:t>
+            </a:r>
+          </a:p>
+          <a:p>
+            <a:r>
+              <a:rPr lang="en-IN" dirty="0"/>
+              <a:t>The increased model update frequency can result in faster learning on some problems</a:t>
+            </a:r>
+          </a:p>
+          <a:p>
+            <a:r>
+              <a:rPr lang="en-IN" dirty="0"/>
+              <a:t>Updating the model so frequently is more computationally expensive</a:t>
+            </a:r>
+          </a:p>
+          <a:p>
+            <a:r>
+              <a:rPr lang="en-IN" dirty="0"/>
+              <a:t>Noisy learning process</a:t>
+            </a:r>
+          </a:p>
+        </p:txBody>
+      </p:sp>
+      <p:pic>
+        <p:nvPicPr>
+          <p:cNvPr id="7" name="Picture 6">
+            <a:extLst>
+              <a:ext uri="{FF2B5EF4-FFF2-40B4-BE49-F238E27FC236}">
+                <a16:creationId xmlns:a16="http://schemas.microsoft.com/office/drawing/2014/main" id="{540BAFB8-F85B-609D-5453-E28AE45C5A09}"/>
+              </a:ext>
+            </a:extLst>
+          </p:cNvPr>
+          <p:cNvPicPr>
+            <a:picLocks noChangeAspect="1"/>
+          </p:cNvPicPr>
+          <p:nvPr/>
+        </p:nvPicPr>
+        <p:blipFill rotWithShape="1">
+          <a:blip r:embed="rId2">
+            <a:extLst>
+              <a:ext uri="{28A0092B-C50C-407E-A947-70E740481C1C}">
+                <a14:useLocalDpi xmlns:a14="http://schemas.microsoft.com/office/drawing/2010/main" val="0"/>
+              </a:ext>
+            </a:extLst>
+          </a:blip>
+          <a:srcRect l="35715" t="24508" r="34046" b="18934"/>
+          <a:stretch/>
+        </p:blipFill>
+        <p:spPr>
+          <a:xfrm>
+            <a:off x="6156176" y="4221088"/>
+            <a:ext cx="2304256" cy="2160240"/>
+          </a:xfrm>
+          <a:prstGeom prst="rect">
+            <a:avLst/>
+          </a:prstGeom>
+        </p:spPr>
+      </p:pic>
     </p:spTree>
+    <p:extLst>
+      <p:ext uri="{BB962C8B-B14F-4D97-AF65-F5344CB8AC3E}">
+        <p14:creationId xmlns:p14="http://schemas.microsoft.com/office/powerpoint/2010/main" val="3859480667"/>
+      </p:ext>
+    </p:extLst>
   </p:cSld>
   <p:clrMapOvr>
     <a:masterClrMapping/>
@@ -8681,7 +8856,7 @@
           <a:p>
             <a:r>
               <a:rPr lang="en-IN" dirty="0"/>
-              <a:t>Stochastic Gradient Descent</a:t>
+              <a:t>Mini Batch Gradient Descent</a:t>
             </a:r>
           </a:p>
         </p:txBody>
@@ -8703,39 +8878,72 @@
           <a:p>
             <a:r>
               <a:rPr lang="en-IN" dirty="0"/>
-              <a:t>Calculate the error and update parameters for each example in the training dataset</a:t>
-            </a:r>
-          </a:p>
-          <a:p>
-            <a:r>
-              <a:rPr lang="en-IN" dirty="0"/>
-              <a:t>Simplest to implement</a:t>
-            </a:r>
-          </a:p>
-          <a:p>
-            <a:r>
-              <a:rPr lang="en-IN" dirty="0"/>
-              <a:t>The increased model update frequency can result in faster learning on some problems</a:t>
-            </a:r>
-          </a:p>
-          <a:p>
-            <a:r>
-              <a:rPr lang="en-IN" dirty="0"/>
-              <a:t>Updating the model so frequently is more computationally expensive</a:t>
-            </a:r>
-          </a:p>
-          <a:p>
-            <a:r>
-              <a:rPr lang="en-IN" dirty="0"/>
-              <a:t>Noisy learning process</a:t>
-            </a:r>
-          </a:p>
-        </p:txBody>
-      </p:sp>
+              <a:t>Split training dataset into small batches </a:t>
+            </a:r>
+          </a:p>
+          <a:p>
+            <a:pPr lvl="1"/>
+            <a:r>
+              <a:rPr lang="en-IN" dirty="0"/>
+              <a:t>Calculate model error and update model coefficients </a:t>
+            </a:r>
+          </a:p>
+          <a:p>
+            <a:r>
+              <a:rPr lang="en-IN" dirty="0"/>
+              <a:t>Computationally more efficient process than stochastic gradient descent</a:t>
+            </a:r>
+          </a:p>
+          <a:p>
+            <a:r>
+              <a:rPr lang="en-IN" dirty="0"/>
+              <a:t>All data can fit in memory</a:t>
+            </a:r>
+          </a:p>
+          <a:p>
+            <a:endParaRPr lang="en-IN" dirty="0"/>
+          </a:p>
+        </p:txBody>
+      </p:sp>
+      <p:pic>
+        <p:nvPicPr>
+          <p:cNvPr id="4" name="Picture 3">
+            <a:extLst>
+              <a:ext uri="{FF2B5EF4-FFF2-40B4-BE49-F238E27FC236}">
+                <a16:creationId xmlns:a16="http://schemas.microsoft.com/office/drawing/2014/main" id="{0462FC0B-5102-4F65-A228-D7F413959D80}"/>
+              </a:ext>
+            </a:extLst>
+          </p:cNvPr>
+          <p:cNvPicPr>
+            <a:picLocks noChangeAspect="1"/>
+          </p:cNvPicPr>
+          <p:nvPr/>
+        </p:nvPicPr>
+        <p:blipFill rotWithShape="1">
+          <a:blip r:embed="rId3">
+            <a:extLst>
+              <a:ext uri="{28A0092B-C50C-407E-A947-70E740481C1C}">
+                <a14:useLocalDpi xmlns:a14="http://schemas.microsoft.com/office/drawing/2010/main" val="0"/>
+              </a:ext>
+            </a:extLst>
+          </a:blip>
+          <a:srcRect l="67094" t="24955" b="20371"/>
+          <a:stretch/>
+        </p:blipFill>
+        <p:spPr>
+          <a:xfrm>
+            <a:off x="6372200" y="4366084"/>
+            <a:ext cx="2507432" cy="2088232"/>
+          </a:xfrm>
+          <a:prstGeom prst="rect">
+            <a:avLst/>
+          </a:prstGeom>
+        </p:spPr>
+      </p:pic>
     </p:spTree>
     <p:extLst>
       <p:ext uri="{BB962C8B-B14F-4D97-AF65-F5344CB8AC3E}">
-        <p14:creationId xmlns:p14="http://schemas.microsoft.com/office/powerpoint/2010/main" val="3859480667"/>
+        <p14:creationId xmlns:p14="http://schemas.microsoft.com/office/powerpoint/2010/main" val="4245952369"/>
       </p:ext>
     </p:extLst>
   </p:cSld>
@@ -8762,71 +8970,30 @@
           <a:chExt cx="0" cy="0"/>
         </a:xfrm>
       </p:grpSpPr>
-      <p:sp>
-        <p:nvSpPr>
-          <p:cNvPr id="2" name="Title 1"/>
-          <p:cNvSpPr>
-            <a:spLocks noGrp="1"/>
-          </p:cNvSpPr>
-          <p:nvPr>
-            <p:ph type="title"/>
-          </p:nvPr>
-        </p:nvSpPr>
-        <p:spPr/>
-        <p:txBody>
-          <a:bodyPr/>
-          <a:lstStyle/>
-          <a:p>
-            <a:r>
-              <a:rPr lang="en-IN" dirty="0"/>
-              <a:t>Batch Gradient Descent</a:t>
-            </a:r>
-          </a:p>
-        </p:txBody>
-      </p:sp>
-      <p:sp>
-        <p:nvSpPr>
-          <p:cNvPr id="3" name="Content Placeholder 2"/>
-          <p:cNvSpPr>
-            <a:spLocks noGrp="1"/>
-          </p:cNvSpPr>
+      <p:pic>
+        <p:nvPicPr>
+          <p:cNvPr id="4" name="Content Placeholder 3" descr="gradient descent.png"/>
+          <p:cNvPicPr>
+            <a:picLocks noGrp="1" noChangeAspect="1"/>
+          </p:cNvPicPr>
           <p:nvPr>
             <p:ph sz="quarter" idx="1"/>
           </p:nvPr>
-        </p:nvSpPr>
-        <p:spPr/>
-        <p:txBody>
-          <a:bodyPr/>
-          <a:lstStyle/>
-          <a:p>
-            <a:r>
-              <a:rPr lang="en-IN" dirty="0"/>
-              <a:t>Calculate the error for each example in the training dataset, but only updates the model after all training examples have been evaluated</a:t>
-            </a:r>
-          </a:p>
-          <a:p>
-            <a:r>
-              <a:rPr lang="en-IN" dirty="0"/>
-              <a:t>Memory expensive</a:t>
-            </a:r>
-          </a:p>
-          <a:p>
-            <a:r>
-              <a:rPr lang="en-IN" dirty="0"/>
-              <a:t> Slow - updates are done after whole data is processed</a:t>
-            </a:r>
-          </a:p>
-          <a:p>
-            <a:endParaRPr lang="en-IN" dirty="0"/>
-          </a:p>
-        </p:txBody>
-      </p:sp>
+        </p:nvPicPr>
+        <p:blipFill>
+          <a:blip r:embed="rId2"/>
+          <a:stretch>
+            <a:fillRect/>
+          </a:stretch>
+        </p:blipFill>
+        <p:spPr>
+          <a:xfrm>
+            <a:off x="129585" y="980728"/>
+            <a:ext cx="8884829" cy="4984173"/>
+          </a:xfrm>
+        </p:spPr>
+      </p:pic>
     </p:spTree>
-    <p:extLst>
-      <p:ext uri="{BB962C8B-B14F-4D97-AF65-F5344CB8AC3E}">
-        <p14:creationId xmlns:p14="http://schemas.microsoft.com/office/powerpoint/2010/main" val="2639403754"/>
-      </p:ext>
-    </p:extLst>
   </p:cSld>
   <p:clrMapOvr>
     <a:masterClrMapping/>
@@ -8868,8 +9035,9 @@
           <a:p>
             <a:r>
               <a:rPr lang="en-IN" dirty="0"/>
-              <a:t>Mini Batch Gradient Descent</a:t>
-            </a:r>
+              <a:t>Mini Batch Size</a:t>
+            </a:r>
+            <a:endParaRPr lang="en-GB" dirty="0"/>
           </a:p>
         </p:txBody>
       </p:sp>
@@ -8889,40 +9057,46 @@
           <a:lstStyle/>
           <a:p>
             <a:r>
-              <a:rPr lang="en-IN" dirty="0"/>
-              <a:t>Split training dataset into small batches </a:t>
-            </a:r>
-          </a:p>
-          <a:p>
-            <a:pPr lvl="1"/>
-            <a:r>
-              <a:rPr lang="en-IN" dirty="0"/>
-              <a:t>Calculate model error and update model coefficients </a:t>
-            </a:r>
-          </a:p>
-          <a:p>
-            <a:r>
-              <a:rPr lang="en-IN" dirty="0"/>
-              <a:t>Computationally more efficient process than stochastic gradient descent</a:t>
-            </a:r>
-          </a:p>
-          <a:p>
-            <a:r>
-              <a:rPr lang="en-IN" dirty="0"/>
-              <a:t>All data can fit in memory</a:t>
-            </a:r>
-          </a:p>
-          <a:p>
-            <a:endParaRPr lang="en-IN" dirty="0"/>
+              <a:rPr lang="en-GB" dirty="0"/>
+              <a:t>Training time until convergence: If the batch size is very small (e.g. 8), this time goes up. If the batch size is huge, it is also higher than the minimum.</a:t>
+            </a:r>
+          </a:p>
+          <a:p>
+            <a:r>
+              <a:rPr lang="en-GB" dirty="0"/>
+              <a:t>Training time per epoch: Bigger computes faster (is efficient)</a:t>
+            </a:r>
+          </a:p>
+          <a:p>
+            <a:r>
+              <a:rPr lang="en-GB" dirty="0"/>
+              <a:t>Mini-batch sizes are often chosen as a power of 2, i.e., 16,32,64,128,256 etc.</a:t>
+            </a:r>
+          </a:p>
+          <a:p>
+            <a:r>
+              <a:rPr lang="en-GB" dirty="0"/>
+              <a:t>Now, while choosing a proper size for mini-batch gradient descent, make sure that the </a:t>
+            </a:r>
+            <a:r>
+              <a:rPr lang="en-GB" dirty="0" err="1"/>
+              <a:t>minibatch</a:t>
+            </a:r>
+            <a:r>
+              <a:rPr lang="en-GB" dirty="0"/>
+              <a:t> fits in the CPU/GPU</a:t>
+            </a:r>
+          </a:p>
+          <a:p>
+            <a:r>
+              <a:rPr lang="en-IN" dirty="0"/>
+              <a:t>Randomly shuffled data is take in each mini batch</a:t>
+            </a:r>
+            <a:endParaRPr lang="en-GB" dirty="0"/>
           </a:p>
         </p:txBody>
       </p:sp>
     </p:spTree>
-    <p:extLst>
-      <p:ext uri="{BB962C8B-B14F-4D97-AF65-F5344CB8AC3E}">
-        <p14:creationId xmlns:p14="http://schemas.microsoft.com/office/powerpoint/2010/main" val="4245952369"/>
-      </p:ext>
-    </p:extLst>
   </p:cSld>
   <p:clrMapOvr>
     <a:masterClrMapping/>
